--- a/Final Presentation.pptx
+++ b/Final Presentation.pptx
@@ -351,7 +351,7 @@
           <a:p>
             <a:fld id="{DB439446-27C8-4900-83EF-4D0744C3866D}" type="datetimeFigureOut">
               <a:rPr lang="en-CA" smtClean="0"/>
-              <a:t>2022-12-09</a:t>
+              <a:t>2023-04-09</a:t>
             </a:fld>
             <a:endParaRPr lang="en-CA"/>
           </a:p>
@@ -559,7 +559,7 @@
           <a:p>
             <a:fld id="{DB439446-27C8-4900-83EF-4D0744C3866D}" type="datetimeFigureOut">
               <a:rPr lang="en-CA" smtClean="0"/>
-              <a:t>2022-12-09</a:t>
+              <a:t>2023-04-09</a:t>
             </a:fld>
             <a:endParaRPr lang="en-CA"/>
           </a:p>
@@ -815,7 +815,7 @@
           <a:p>
             <a:fld id="{DB439446-27C8-4900-83EF-4D0744C3866D}" type="datetimeFigureOut">
               <a:rPr lang="en-CA" smtClean="0"/>
-              <a:t>2022-12-09</a:t>
+              <a:t>2023-04-09</a:t>
             </a:fld>
             <a:endParaRPr lang="en-CA"/>
           </a:p>
@@ -989,7 +989,7 @@
           <a:p>
             <a:fld id="{DB439446-27C8-4900-83EF-4D0744C3866D}" type="datetimeFigureOut">
               <a:rPr lang="en-CA" smtClean="0"/>
-              <a:t>2022-12-09</a:t>
+              <a:t>2023-04-09</a:t>
             </a:fld>
             <a:endParaRPr lang="en-CA"/>
           </a:p>
@@ -1332,7 +1332,7 @@
           <a:p>
             <a:fld id="{DB439446-27C8-4900-83EF-4D0744C3866D}" type="datetimeFigureOut">
               <a:rPr lang="en-CA" smtClean="0"/>
-              <a:t>2022-12-09</a:t>
+              <a:t>2023-04-09</a:t>
             </a:fld>
             <a:endParaRPr lang="en-CA"/>
           </a:p>
@@ -1607,7 +1607,7 @@
           <a:p>
             <a:fld id="{DB439446-27C8-4900-83EF-4D0744C3866D}" type="datetimeFigureOut">
               <a:rPr lang="en-CA" smtClean="0"/>
-              <a:t>2022-12-09</a:t>
+              <a:t>2023-04-09</a:t>
             </a:fld>
             <a:endParaRPr lang="en-CA"/>
           </a:p>
@@ -1986,7 +1986,7 @@
           <a:p>
             <a:fld id="{DB439446-27C8-4900-83EF-4D0744C3866D}" type="datetimeFigureOut">
               <a:rPr lang="en-CA" smtClean="0"/>
-              <a:t>2022-12-09</a:t>
+              <a:t>2023-04-09</a:t>
             </a:fld>
             <a:endParaRPr lang="en-CA"/>
           </a:p>
@@ -2104,7 +2104,7 @@
           <a:p>
             <a:fld id="{DB439446-27C8-4900-83EF-4D0744C3866D}" type="datetimeFigureOut">
               <a:rPr lang="en-CA" smtClean="0"/>
-              <a:t>2022-12-09</a:t>
+              <a:t>2023-04-09</a:t>
             </a:fld>
             <a:endParaRPr lang="en-CA"/>
           </a:p>
@@ -2275,7 +2275,7 @@
           <a:p>
             <a:fld id="{DB439446-27C8-4900-83EF-4D0744C3866D}" type="datetimeFigureOut">
               <a:rPr lang="en-CA" smtClean="0"/>
-              <a:t>2022-12-09</a:t>
+              <a:t>2023-04-09</a:t>
             </a:fld>
             <a:endParaRPr lang="en-CA"/>
           </a:p>
@@ -2629,7 +2629,7 @@
           <a:p>
             <a:fld id="{DB439446-27C8-4900-83EF-4D0744C3866D}" type="datetimeFigureOut">
               <a:rPr lang="en-CA" smtClean="0"/>
-              <a:t>2022-12-09</a:t>
+              <a:t>2023-04-09</a:t>
             </a:fld>
             <a:endParaRPr lang="en-CA"/>
           </a:p>
@@ -3011,7 +3011,7 @@
           <a:p>
             <a:fld id="{DB439446-27C8-4900-83EF-4D0744C3866D}" type="datetimeFigureOut">
               <a:rPr lang="en-CA" smtClean="0"/>
-              <a:t>2022-12-09</a:t>
+              <a:t>2023-04-09</a:t>
             </a:fld>
             <a:endParaRPr lang="en-CA"/>
           </a:p>
@@ -3298,7 +3298,7 @@
           <a:p>
             <a:fld id="{DB439446-27C8-4900-83EF-4D0744C3866D}" type="datetimeFigureOut">
               <a:rPr lang="en-CA" smtClean="0"/>
-              <a:t>2022-12-09</a:t>
+              <a:t>2023-04-09</a:t>
             </a:fld>
             <a:endParaRPr lang="en-CA"/>
           </a:p>
@@ -3871,6 +3871,7 @@
           <a:bodyPr/>
           <a:lstStyle/>
           <a:p>
+            <a:pPr algn="ctr"/>
             <a:r>
               <a:rPr lang="en-CA" dirty="0"/>
               <a:t>Harman </a:t>
@@ -3881,23 +3882,7 @@
             </a:r>
             <a:r>
               <a:rPr lang="en-CA" dirty="0"/>
-              <a:t> – </a:t>
-            </a:r>
-            <a:r>
-              <a:rPr lang="en-CA" dirty="0" err="1"/>
-              <a:t>Kiryll</a:t>
-            </a:r>
-            <a:r>
-              <a:rPr lang="en-CA" dirty="0"/>
-              <a:t> </a:t>
-            </a:r>
-            <a:r>
-              <a:rPr lang="en-CA" dirty="0" err="1"/>
-              <a:t>Parfoynov</a:t>
-            </a:r>
-            <a:r>
-              <a:rPr lang="en-CA" dirty="0"/>
-              <a:t> – Jason li – raj </a:t>
+              <a:t>– raj </a:t>
             </a:r>
             <a:r>
               <a:rPr lang="en-CA" dirty="0" err="1"/>
